--- a/Managing Technical Debt with SonarQube.pptx
+++ b/Managing Technical Debt with SonarQube.pptx
@@ -239,7 +239,7 @@
           <a:p>
             <a:fld id="{1C3ED994-16FE-413E-ADD7-E6AAC2A0098C}" type="datetimeFigureOut">
               <a:rPr lang="en-GB" smtClean="0"/>
-              <a:t>20/10/2015</a:t>
+              <a:t>24/10/2015</a:t>
             </a:fld>
             <a:endParaRPr lang="en-GB"/>
           </a:p>
@@ -901,11 +901,7 @@
             </a:pPr>
             <a:r>
               <a:rPr lang="en-GB" baseline="0" dirty="0" smtClean="0"/>
-              <a:t>See process on http</a:t>
-            </a:r>
-            <a:r>
-              <a:rPr lang="en-GB" baseline="0" dirty="0" smtClean="0"/>
-              <a:t>://realalm.com/2015/07/31/uploading-a-custom-build-vnext-task/</a:t>
+              <a:t>See process on http://realalm.com/2015/07/31/uploading-a-custom-build-vnext-task/</a:t>
             </a:r>
           </a:p>
           <a:p>
@@ -946,11 +942,7 @@
             </a:pPr>
             <a:r>
               <a:rPr lang="en-GB" baseline="0" dirty="0" smtClean="0"/>
-              <a:t>Clone the </a:t>
-            </a:r>
-            <a:r>
-              <a:rPr lang="en-GB" baseline="0" dirty="0" smtClean="0"/>
-              <a:t>repo https://github.com/Microsoft/vso-agent-tasks</a:t>
+              <a:t>Clone the repo https://github.com/Microsoft/vso-agent-tasks</a:t>
             </a:r>
           </a:p>
           <a:p>
@@ -962,7 +954,6 @@
               <a:rPr lang="en-GB" baseline="0" dirty="0" smtClean="0"/>
               <a:t>Run gulp </a:t>
             </a:r>
-            <a:endParaRPr lang="en-GB" baseline="0" dirty="0" smtClean="0"/>
           </a:p>
           <a:p>
             <a:pPr marL="228600" indent="-228600">
@@ -1254,13 +1245,8 @@
             </a:r>
             <a:r>
               <a:rPr lang="en-GB" baseline="0" dirty="0" smtClean="0"/>
-              <a:t> </a:t>
-            </a:r>
-            <a:r>
-              <a:rPr lang="en-GB" baseline="0" dirty="0" smtClean="0"/>
-              <a:t>up yet</a:t>
-            </a:r>
-            <a:endParaRPr lang="en-GB" baseline="0" dirty="0" smtClean="0"/>
+              <a:t> up yet</a:t>
+            </a:r>
           </a:p>
           <a:p>
             <a:r>
@@ -9502,7 +9488,7 @@
         <p:spPr/>
         <p:txBody>
           <a:bodyPr>
-            <a:normAutofit lnSpcReduction="10000"/>
+            <a:normAutofit fontScale="92500" lnSpcReduction="20000"/>
           </a:bodyPr>
           <a:lstStyle/>
           <a:p>
@@ -9592,6 +9578,17 @@
             <a:br>
               <a:rPr lang="en-GB" dirty="0" smtClean="0"/>
             </a:br>
+            <a:r>
+              <a:rPr lang="en-GB" dirty="0" smtClean="0"/>
+              <a:t/>
+            </a:r>
+            <a:br>
+              <a:rPr lang="en-GB" dirty="0" smtClean="0"/>
+            </a:br>
+            <a:r>
+              <a:rPr lang="en-GB" dirty="0" smtClean="0"/>
+              <a:t>    </a:t>
+            </a:r>
             <a:r>
               <a:rPr lang="en-GB" sz="2200" dirty="0" err="1" smtClean="0"/>
               <a:t>sonar.jdbc.username</a:t>
@@ -9612,19 +9609,27 @@
               <a:rPr lang="en-GB" sz="2200" dirty="0" smtClean="0"/>
             </a:br>
             <a:r>
+              <a:rPr lang="en-GB" sz="2200" dirty="0" smtClean="0"/>
+              <a:t>     </a:t>
+            </a:r>
+            <a:r>
               <a:rPr lang="en-GB" sz="2200" dirty="0" err="1" smtClean="0"/>
               <a:t>sonar.jdbc.password</a:t>
             </a:r>
             <a:r>
               <a:rPr lang="en-GB" sz="2200" dirty="0" smtClean="0"/>
               <a:t>=Pass@w0rd1</a:t>
+            </a:r>
+            <a:r>
+              <a:rPr lang="en-GB" sz="2200" dirty="0" smtClean="0"/>
+              <a:t/>
             </a:r>
             <a:br>
               <a:rPr lang="en-GB" sz="2200" dirty="0" smtClean="0"/>
             </a:br>
             <a:r>
               <a:rPr lang="en-GB" sz="2200" dirty="0" smtClean="0"/>
-              <a:t>sonar.jdbc.url=</a:t>
+              <a:t>     sonar.jdbc.url=</a:t>
             </a:r>
             <a:r>
               <a:rPr lang="en-GB" sz="2200" dirty="0" err="1" smtClean="0"/>
@@ -9677,7 +9682,7 @@
         </p:blipFill>
         <p:spPr>
           <a:xfrm>
-            <a:off x="8982604" y="1518973"/>
+            <a:off x="9190423" y="1269592"/>
             <a:ext cx="2524125" cy="3419475"/>
           </a:xfrm>
           <a:prstGeom prst="rect">
@@ -12327,13 +12332,8 @@
           <a:p>
             <a:r>
               <a:rPr lang="en-GB" dirty="0" smtClean="0"/>
-              <a:t>Probably need to install this on a build </a:t>
-            </a:r>
-            <a:r>
-              <a:rPr lang="en-GB" dirty="0" smtClean="0"/>
-              <a:t>VM (with a JRE)</a:t>
-            </a:r>
-            <a:endParaRPr lang="en-GB" dirty="0" smtClean="0"/>
+              <a:t>Probably need to install this on a build VM (with a JRE)</a:t>
+            </a:r>
           </a:p>
           <a:p>
             <a:endParaRPr lang="en-GB" dirty="0" smtClean="0"/>
@@ -13114,9 +13114,243 @@
   <p:timing>
     <p:tnLst>
       <p:par>
-        <p:cTn id="1" dur="indefinite" restart="never" nodeType="tmRoot"/>
+        <p:cTn id="1" dur="indefinite" restart="never" nodeType="tmRoot">
+          <p:childTnLst>
+            <p:seq concurrent="1" nextAc="seek">
+              <p:cTn id="2" dur="indefinite" nodeType="mainSeq">
+                <p:childTnLst>
+                  <p:par>
+                    <p:cTn id="3" fill="hold">
+                      <p:stCondLst>
+                        <p:cond delay="indefinite"/>
+                      </p:stCondLst>
+                      <p:childTnLst>
+                        <p:par>
+                          <p:cTn id="4" fill="hold">
+                            <p:stCondLst>
+                              <p:cond delay="0"/>
+                            </p:stCondLst>
+                            <p:childTnLst>
+                              <p:par>
+                                <p:cTn id="5" presetID="10" presetClass="entr" presetSubtype="0" fill="hold" grpId="0" nodeType="clickEffect">
+                                  <p:stCondLst>
+                                    <p:cond delay="0"/>
+                                  </p:stCondLst>
+                                  <p:childTnLst>
+                                    <p:set>
+                                      <p:cBhvr>
+                                        <p:cTn id="6" dur="1" fill="hold">
+                                          <p:stCondLst>
+                                            <p:cond delay="0"/>
+                                          </p:stCondLst>
+                                        </p:cTn>
+                                        <p:tgtEl>
+                                          <p:spTgt spid="3">
+                                            <p:txEl>
+                                              <p:pRg st="0" end="0"/>
+                                            </p:txEl>
+                                          </p:spTgt>
+                                        </p:tgtEl>
+                                        <p:attrNameLst>
+                                          <p:attrName>style.visibility</p:attrName>
+                                        </p:attrNameLst>
+                                      </p:cBhvr>
+                                      <p:to>
+                                        <p:strVal val="visible"/>
+                                      </p:to>
+                                    </p:set>
+                                    <p:animEffect transition="in" filter="fade">
+                                      <p:cBhvr>
+                                        <p:cTn id="7" dur="500"/>
+                                        <p:tgtEl>
+                                          <p:spTgt spid="3">
+                                            <p:txEl>
+                                              <p:pRg st="0" end="0"/>
+                                            </p:txEl>
+                                          </p:spTgt>
+                                        </p:tgtEl>
+                                      </p:cBhvr>
+                                    </p:animEffect>
+                                  </p:childTnLst>
+                                </p:cTn>
+                              </p:par>
+                              <p:par>
+                                <p:cTn id="8" presetID="10" presetClass="entr" presetSubtype="0" fill="hold" grpId="0" nodeType="withEffect">
+                                  <p:stCondLst>
+                                    <p:cond delay="0"/>
+                                  </p:stCondLst>
+                                  <p:childTnLst>
+                                    <p:set>
+                                      <p:cBhvr>
+                                        <p:cTn id="9" dur="1" fill="hold">
+                                          <p:stCondLst>
+                                            <p:cond delay="0"/>
+                                          </p:stCondLst>
+                                        </p:cTn>
+                                        <p:tgtEl>
+                                          <p:spTgt spid="3">
+                                            <p:txEl>
+                                              <p:pRg st="1" end="1"/>
+                                            </p:txEl>
+                                          </p:spTgt>
+                                        </p:tgtEl>
+                                        <p:attrNameLst>
+                                          <p:attrName>style.visibility</p:attrName>
+                                        </p:attrNameLst>
+                                      </p:cBhvr>
+                                      <p:to>
+                                        <p:strVal val="visible"/>
+                                      </p:to>
+                                    </p:set>
+                                    <p:animEffect transition="in" filter="fade">
+                                      <p:cBhvr>
+                                        <p:cTn id="10" dur="500"/>
+                                        <p:tgtEl>
+                                          <p:spTgt spid="3">
+                                            <p:txEl>
+                                              <p:pRg st="1" end="1"/>
+                                            </p:txEl>
+                                          </p:spTgt>
+                                        </p:tgtEl>
+                                      </p:cBhvr>
+                                    </p:animEffect>
+                                  </p:childTnLst>
+                                </p:cTn>
+                              </p:par>
+                            </p:childTnLst>
+                          </p:cTn>
+                        </p:par>
+                      </p:childTnLst>
+                    </p:cTn>
+                  </p:par>
+                  <p:par>
+                    <p:cTn id="11" fill="hold">
+                      <p:stCondLst>
+                        <p:cond delay="indefinite"/>
+                      </p:stCondLst>
+                      <p:childTnLst>
+                        <p:par>
+                          <p:cTn id="12" fill="hold">
+                            <p:stCondLst>
+                              <p:cond delay="0"/>
+                            </p:stCondLst>
+                            <p:childTnLst>
+                              <p:par>
+                                <p:cTn id="13" presetID="10" presetClass="entr" presetSubtype="0" fill="hold" grpId="0" nodeType="clickEffect">
+                                  <p:stCondLst>
+                                    <p:cond delay="0"/>
+                                  </p:stCondLst>
+                                  <p:childTnLst>
+                                    <p:set>
+                                      <p:cBhvr>
+                                        <p:cTn id="14" dur="1" fill="hold">
+                                          <p:stCondLst>
+                                            <p:cond delay="0"/>
+                                          </p:stCondLst>
+                                        </p:cTn>
+                                        <p:tgtEl>
+                                          <p:spTgt spid="3">
+                                            <p:txEl>
+                                              <p:pRg st="2" end="2"/>
+                                            </p:txEl>
+                                          </p:spTgt>
+                                        </p:tgtEl>
+                                        <p:attrNameLst>
+                                          <p:attrName>style.visibility</p:attrName>
+                                        </p:attrNameLst>
+                                      </p:cBhvr>
+                                      <p:to>
+                                        <p:strVal val="visible"/>
+                                      </p:to>
+                                    </p:set>
+                                    <p:animEffect transition="in" filter="fade">
+                                      <p:cBhvr>
+                                        <p:cTn id="15" dur="500"/>
+                                        <p:tgtEl>
+                                          <p:spTgt spid="3">
+                                            <p:txEl>
+                                              <p:pRg st="2" end="2"/>
+                                            </p:txEl>
+                                          </p:spTgt>
+                                        </p:tgtEl>
+                                      </p:cBhvr>
+                                    </p:animEffect>
+                                  </p:childTnLst>
+                                </p:cTn>
+                              </p:par>
+                              <p:par>
+                                <p:cTn id="16" presetID="10" presetClass="entr" presetSubtype="0" fill="hold" grpId="0" nodeType="withEffect">
+                                  <p:stCondLst>
+                                    <p:cond delay="0"/>
+                                  </p:stCondLst>
+                                  <p:childTnLst>
+                                    <p:set>
+                                      <p:cBhvr>
+                                        <p:cTn id="17" dur="1" fill="hold">
+                                          <p:stCondLst>
+                                            <p:cond delay="0"/>
+                                          </p:stCondLst>
+                                        </p:cTn>
+                                        <p:tgtEl>
+                                          <p:spTgt spid="3">
+                                            <p:txEl>
+                                              <p:pRg st="3" end="3"/>
+                                            </p:txEl>
+                                          </p:spTgt>
+                                        </p:tgtEl>
+                                        <p:attrNameLst>
+                                          <p:attrName>style.visibility</p:attrName>
+                                        </p:attrNameLst>
+                                      </p:cBhvr>
+                                      <p:to>
+                                        <p:strVal val="visible"/>
+                                      </p:to>
+                                    </p:set>
+                                    <p:animEffect transition="in" filter="fade">
+                                      <p:cBhvr>
+                                        <p:cTn id="18" dur="500"/>
+                                        <p:tgtEl>
+                                          <p:spTgt spid="3">
+                                            <p:txEl>
+                                              <p:pRg st="3" end="3"/>
+                                            </p:txEl>
+                                          </p:spTgt>
+                                        </p:tgtEl>
+                                      </p:cBhvr>
+                                    </p:animEffect>
+                                  </p:childTnLst>
+                                </p:cTn>
+                              </p:par>
+                            </p:childTnLst>
+                          </p:cTn>
+                        </p:par>
+                      </p:childTnLst>
+                    </p:cTn>
+                  </p:par>
+                </p:childTnLst>
+              </p:cTn>
+              <p:prevCondLst>
+                <p:cond evt="onPrev" delay="0">
+                  <p:tgtEl>
+                    <p:sldTgt/>
+                  </p:tgtEl>
+                </p:cond>
+              </p:prevCondLst>
+              <p:nextCondLst>
+                <p:cond evt="onNext" delay="0">
+                  <p:tgtEl>
+                    <p:sldTgt/>
+                  </p:tgtEl>
+                </p:cond>
+              </p:nextCondLst>
+            </p:seq>
+          </p:childTnLst>
+        </p:cTn>
       </p:par>
     </p:tnLst>
+    <p:bldLst>
+      <p:bldP spid="3" grpId="0" uiExpand="1" build="p"/>
+    </p:bldLst>
   </p:timing>
 </p:sld>
 </file>
@@ -14466,19 +14700,13 @@
               <a:t>https://</a:t>
             </a:r>
             <a:r>
-              <a:rPr lang="en-GB" sz="2000" dirty="0" smtClean="0">
+              <a:rPr lang="en-GB" sz="2000" dirty="0">
                 <a:hlinkClick r:id="rId8"/>
               </a:rPr>
-              <a:t>github.com/</a:t>
-            </a:r>
-            <a:r>
-              <a:rPr lang="en-GB" dirty="0" smtClean="0">
-                <a:hlinkClick r:id="rId8"/>
-              </a:rPr>
-              <a:t>rfennell/Presentations</a:t>
-            </a:r>
-            <a:r>
-              <a:rPr lang="en-GB" dirty="0" smtClean="0"/>
+              <a:t>github.com/rfennell/Presentations</a:t>
+            </a:r>
+            <a:r>
+              <a:rPr lang="en-GB" sz="2000" dirty="0"/>
               <a:t> </a:t>
             </a:r>
           </a:p>
@@ -15252,7 +15480,7 @@
                                     </p:set>
                                     <p:animEffect transition="in" filter="fade">
                                       <p:cBhvr>
-                                        <p:cTn id="14" dur="2000"/>
+                                        <p:cTn id="14" dur="1500"/>
                                         <p:tgtEl>
                                           <p:spTgt spid="8"/>
                                         </p:tgtEl>
@@ -15302,7 +15530,7 @@
                         <p:par>
                           <p:cTn id="18" fill="hold">
                             <p:stCondLst>
-                              <p:cond delay="4000"/>
+                              <p:cond delay="3500"/>
                             </p:stCondLst>
                             <p:childTnLst>
                               <p:par>
@@ -15331,7 +15559,7 @@
                                     </p:set>
                                     <p:animEffect transition="in" filter="fade">
                                       <p:cBhvr>
-                                        <p:cTn id="21" dur="2000"/>
+                                        <p:cTn id="21" dur="1500"/>
                                         <p:tgtEl>
                                           <p:spTgt spid="9"/>
                                         </p:tgtEl>
@@ -15381,7 +15609,7 @@
                         <p:par>
                           <p:cTn id="25" fill="hold">
                             <p:stCondLst>
-                              <p:cond delay="6000"/>
+                              <p:cond delay="5000"/>
                             </p:stCondLst>
                             <p:childTnLst>
                               <p:par>
@@ -15410,7 +15638,7 @@
                                     </p:set>
                                     <p:animEffect transition="in" filter="fade">
                                       <p:cBhvr>
-                                        <p:cTn id="28" dur="2000"/>
+                                        <p:cTn id="28" dur="1500"/>
                                         <p:tgtEl>
                                           <p:spTgt spid="10"/>
                                         </p:tgtEl>
@@ -16048,8 +16276,12 @@
           <a:lstStyle/>
           <a:p>
             <a:r>
-              <a:rPr lang="en-GB" dirty="0" smtClean="0"/>
-              <a:t>Introduction </a:t>
+              <a:rPr lang="en-GB" dirty="0" err="1" smtClean="0"/>
+              <a:t>Introducting</a:t>
+            </a:r>
+            <a:r>
+              <a:rPr lang="en-GB" dirty="0" smtClean="0"/>
+              <a:t> </a:t>
             </a:r>
             <a:r>
               <a:rPr lang="en-GB" dirty="0" err="1" smtClean="0"/>
@@ -16083,8 +16315,13 @@
             </a:r>
             <a:r>
               <a:rPr lang="en-GB" dirty="0" smtClean="0"/>
-              <a:t>the product homepage</a:t>
-            </a:r>
+              <a:t>the product </a:t>
+            </a:r>
+            <a:r>
+              <a:rPr lang="en-GB" dirty="0" smtClean="0"/>
+              <a:t>homepage…</a:t>
+            </a:r>
+            <a:endParaRPr lang="en-GB" dirty="0" smtClean="0"/>
           </a:p>
           <a:p>
             <a:pPr marL="0" indent="0">
